--- a/PowerpointTemplater.Tests/files/SetTableCellBackgroundPicture_output.pptx
+++ b/PowerpointTemplater.Tests/files/SetTableCellBackgroundPicture_output.pptx
@@ -5,8 +5,8 @@
     <p:sldMasterId id="2147483648" r:id="rId1"/>
   </p:sldMasterIdLst>
   <p:sldIdLst>
-    <p:sldId id="258" r:id="Rb6bf1b65383d4061"/>
-    <p:sldId id="259" r:id="R0f6c7c9a29bb4bf5"/>
+    <p:sldId id="258" r:id="R0c58c6b38d754342"/>
+    <p:sldId id="259" r:id="Re21b95689384470b"/>
   </p:sldIdLst>
   <p:sldSz cx="9144000" cy="6858000" type="screen4x3"/>
   <p:notesSz cx="6858000" cy="9144000"/>
@@ -3215,7 +3215,7 @@
                   </a:txBody>
                   <a:tcPr>
                     <a:blipFill>
-                      <a:blip r:embed="Rf296b0d6556e493b"/>
+                      <a:blip r:embed="Rb4c03c712f3844d3"/>
                       <a:srcRect/>
                       <a:stretch>
                         <a:fillRect l="0" t="14000" r="90000" b="12000"/>
@@ -3282,7 +3282,7 @@
                   </a:txBody>
                   <a:tcPr>
                     <a:blipFill>
-                      <a:blip r:embed="R64aefdab6b4c49e7"/>
+                      <a:blip r:embed="R4fb7766ca9d84770"/>
                       <a:srcRect/>
                       <a:stretch>
                         <a:fillRect l="0" t="14000" r="90000" b="12000"/>
@@ -3320,7 +3320,7 @@
                   </a:txBody>
                   <a:tcPr>
                     <a:blipFill>
-                      <a:blip r:embed="R7ab99543df5a4172"/>
+                      <a:blip r:embed="R33d11ac67eed43d1"/>
                       <a:srcRect/>
                       <a:stretch>
                         <a:fillRect l="0" t="14000" r="90000" b="0"/>
@@ -3400,7 +3400,7 @@
                   </a:txBody>
                   <a:tcPr>
                     <a:blipFill>
-                      <a:blip r:embed="R7ca535e94ad14f56"/>
+                      <a:blip r:embed="Rd1a7ea06ab0e4527"/>
                       <a:srcRect/>
                       <a:stretch>
                         <a:fillRect l="0" t="14000" r="0" b="0"/>
@@ -3480,7 +3480,7 @@
                   </a:txBody>
                   <a:tcPr>
                     <a:blipFill>
-                      <a:blip r:embed="Rf402394d157749e4"/>
+                      <a:blip r:embed="R6bebca3896854cb8"/>
                       <a:srcRect/>
                       <a:stretch>
                         <a:fillRect l="0" t="0" r="0" b="0"/>
@@ -3560,7 +3560,7 @@
                   </a:txBody>
                   <a:tcPr>
                     <a:blipFill>
-                      <a:blip r:embed="R58cc96cb46ce4b13"/>
+                      <a:blip r:embed="Rc95fe43a1ebe4f37"/>
                       <a:srcRect/>
                       <a:stretch>
                         <a:fillRect l="0" t="0" r="0" b="0"/>
@@ -3850,7 +3850,7 @@
                   </a:txBody>
                   <a:tcPr>
                     <a:blipFill>
-                      <a:blip r:embed="Rf296b0d6556e493b"/>
+                      <a:blip r:embed="Rb4c03c712f3844d3"/>
                       <a:srcRect/>
                       <a:stretch>
                         <a:fillRect l="0" t="14000" r="90000" b="12000"/>
@@ -3917,7 +3917,7 @@
                   </a:txBody>
                   <a:tcPr>
                     <a:blipFill>
-                      <a:blip r:embed="R64aefdab6b4c49e7"/>
+                      <a:blip r:embed="R4fb7766ca9d84770"/>
                       <a:srcRect/>
                       <a:stretch>
                         <a:fillRect l="0" t="14000" r="90000" b="12000"/>
@@ -3955,7 +3955,7 @@
                   </a:txBody>
                   <a:tcPr>
                     <a:blipFill>
-                      <a:blip r:embed="R7ab99543df5a4172"/>
+                      <a:blip r:embed="R33d11ac67eed43d1"/>
                       <a:srcRect/>
                       <a:stretch>
                         <a:fillRect l="0" t="14000" r="90000" b="0"/>
@@ -4035,7 +4035,7 @@
                   </a:txBody>
                   <a:tcPr>
                     <a:blipFill>
-                      <a:blip r:embed="R7ca535e94ad14f56"/>
+                      <a:blip r:embed="Rd1a7ea06ab0e4527"/>
                       <a:srcRect/>
                       <a:stretch>
                         <a:fillRect l="0" t="14000" r="0" b="0"/>
@@ -4115,7 +4115,7 @@
                   </a:txBody>
                   <a:tcPr>
                     <a:blipFill>
-                      <a:blip r:embed="Rf402394d157749e4"/>
+                      <a:blip r:embed="R6bebca3896854cb8"/>
                       <a:srcRect/>
                       <a:stretch>
                         <a:fillRect l="0" t="0" r="0" b="0"/>
@@ -4195,7 +4195,7 @@
                   </a:txBody>
                   <a:tcPr>
                     <a:blipFill>
-                      <a:blip r:embed="R58cc96cb46ce4b13"/>
+                      <a:blip r:embed="Rc95fe43a1ebe4f37"/>
                       <a:srcRect/>
                       <a:stretch>
                         <a:fillRect l="0" t="0" r="0" b="0"/>

--- a/PowerpointTemplater.Tests/files/SetTableCellBackgroundPicture_output.pptx
+++ b/PowerpointTemplater.Tests/files/SetTableCellBackgroundPicture_output.pptx
@@ -5,8 +5,8 @@
     <p:sldMasterId id="2147483648" r:id="rId1"/>
   </p:sldMasterIdLst>
   <p:sldIdLst>
-    <p:sldId id="258" r:id="R0c58c6b38d754342"/>
-    <p:sldId id="259" r:id="Re21b95689384470b"/>
+    <p:sldId id="258" r:id="R24f80ebfdc9648ba"/>
+    <p:sldId id="259" r:id="R6bccc73423d24404"/>
   </p:sldIdLst>
   <p:sldSz cx="9144000" cy="6858000" type="screen4x3"/>
   <p:notesSz cx="6858000" cy="9144000"/>
@@ -3215,7 +3215,7 @@
                   </a:txBody>
                   <a:tcPr>
                     <a:blipFill>
-                      <a:blip r:embed="Rb4c03c712f3844d3"/>
+                      <a:blip r:embed="Rd7d0a77b8f294cdd"/>
                       <a:srcRect/>
                       <a:stretch>
                         <a:fillRect l="0" t="14000" r="90000" b="12000"/>
@@ -3282,7 +3282,7 @@
                   </a:txBody>
                   <a:tcPr>
                     <a:blipFill>
-                      <a:blip r:embed="R4fb7766ca9d84770"/>
+                      <a:blip r:embed="R37ce5ff4d3c54186"/>
                       <a:srcRect/>
                       <a:stretch>
                         <a:fillRect l="0" t="14000" r="90000" b="12000"/>
@@ -3320,7 +3320,7 @@
                   </a:txBody>
                   <a:tcPr>
                     <a:blipFill>
-                      <a:blip r:embed="R33d11ac67eed43d1"/>
+                      <a:blip r:embed="Rd1932216f7ad496d"/>
                       <a:srcRect/>
                       <a:stretch>
                         <a:fillRect l="0" t="14000" r="90000" b="0"/>
@@ -3400,7 +3400,7 @@
                   </a:txBody>
                   <a:tcPr>
                     <a:blipFill>
-                      <a:blip r:embed="Rd1a7ea06ab0e4527"/>
+                      <a:blip r:embed="R7707160e07194c1c"/>
                       <a:srcRect/>
                       <a:stretch>
                         <a:fillRect l="0" t="14000" r="0" b="0"/>
@@ -3480,7 +3480,7 @@
                   </a:txBody>
                   <a:tcPr>
                     <a:blipFill>
-                      <a:blip r:embed="R6bebca3896854cb8"/>
+                      <a:blip r:embed="Ra79584704e234cff"/>
                       <a:srcRect/>
                       <a:stretch>
                         <a:fillRect l="0" t="0" r="0" b="0"/>
@@ -3560,7 +3560,7 @@
                   </a:txBody>
                   <a:tcPr>
                     <a:blipFill>
-                      <a:blip r:embed="Rc95fe43a1ebe4f37"/>
+                      <a:blip r:embed="R4bf5d32880f649ef"/>
                       <a:srcRect/>
                       <a:stretch>
                         <a:fillRect l="0" t="0" r="0" b="0"/>
@@ -3850,7 +3850,7 @@
                   </a:txBody>
                   <a:tcPr>
                     <a:blipFill>
-                      <a:blip r:embed="Rb4c03c712f3844d3"/>
+                      <a:blip r:embed="Rd7d0a77b8f294cdd"/>
                       <a:srcRect/>
                       <a:stretch>
                         <a:fillRect l="0" t="14000" r="90000" b="12000"/>
@@ -3917,7 +3917,7 @@
                   </a:txBody>
                   <a:tcPr>
                     <a:blipFill>
-                      <a:blip r:embed="R4fb7766ca9d84770"/>
+                      <a:blip r:embed="R37ce5ff4d3c54186"/>
                       <a:srcRect/>
                       <a:stretch>
                         <a:fillRect l="0" t="14000" r="90000" b="12000"/>
@@ -3955,7 +3955,7 @@
                   </a:txBody>
                   <a:tcPr>
                     <a:blipFill>
-                      <a:blip r:embed="R33d11ac67eed43d1"/>
+                      <a:blip r:embed="Rd1932216f7ad496d"/>
                       <a:srcRect/>
                       <a:stretch>
                         <a:fillRect l="0" t="14000" r="90000" b="0"/>
@@ -4035,7 +4035,7 @@
                   </a:txBody>
                   <a:tcPr>
                     <a:blipFill>
-                      <a:blip r:embed="Rd1a7ea06ab0e4527"/>
+                      <a:blip r:embed="R7707160e07194c1c"/>
                       <a:srcRect/>
                       <a:stretch>
                         <a:fillRect l="0" t="14000" r="0" b="0"/>
@@ -4115,7 +4115,7 @@
                   </a:txBody>
                   <a:tcPr>
                     <a:blipFill>
-                      <a:blip r:embed="R6bebca3896854cb8"/>
+                      <a:blip r:embed="Ra79584704e234cff"/>
                       <a:srcRect/>
                       <a:stretch>
                         <a:fillRect l="0" t="0" r="0" b="0"/>
@@ -4195,7 +4195,7 @@
                   </a:txBody>
                   <a:tcPr>
                     <a:blipFill>
-                      <a:blip r:embed="Rc95fe43a1ebe4f37"/>
+                      <a:blip r:embed="R4bf5d32880f649ef"/>
                       <a:srcRect/>
                       <a:stretch>
                         <a:fillRect l="0" t="0" r="0" b="0"/>

--- a/PowerpointTemplater.Tests/files/SetTableCellBackgroundPicture_output.pptx
+++ b/PowerpointTemplater.Tests/files/SetTableCellBackgroundPicture_output.pptx
@@ -5,8 +5,8 @@
     <p:sldMasterId id="2147483648" r:id="rId1"/>
   </p:sldMasterIdLst>
   <p:sldIdLst>
-    <p:sldId id="258" r:id="R24f80ebfdc9648ba"/>
-    <p:sldId id="259" r:id="R6bccc73423d24404"/>
+    <p:sldId id="258" r:id="R8fe0de5f66c04e2b"/>
+    <p:sldId id="259" r:id="Re5732ca363994fda"/>
   </p:sldIdLst>
   <p:sldSz cx="9144000" cy="6858000" type="screen4x3"/>
   <p:notesSz cx="6858000" cy="9144000"/>
@@ -3207,7 +3207,7 @@
                     <a:lstStyle/>
                     <a:p>
                       <a:r>
-                        <a:rPr lang="en-US" dirty="0" smtClean="0"/>
+                        <a:rPr lang="en-US" b="0" i="0" strike="noStrike" dirty="0" smtClean="0"/>
                         <a:t>Hello, world! 0.0</a:t>
                       </a:r>
                       <a:endParaRPr lang="fr-FR" dirty="0"/>
@@ -3215,7 +3215,7 @@
                   </a:txBody>
                   <a:tcPr>
                     <a:blipFill>
-                      <a:blip r:embed="Rd7d0a77b8f294cdd"/>
+                      <a:blip r:embed="R8b0d0981ab7a4ade"/>
                       <a:srcRect/>
                       <a:stretch>
                         <a:fillRect l="0" t="14000" r="90000" b="12000"/>
@@ -3274,7 +3274,7 @@
                     <a:lstStyle/>
                     <a:p>
                       <a:r>
-                        <a:rPr lang="en-US" dirty="0" smtClean="0"/>
+                        <a:rPr lang="en-US" b="0" i="0" strike="noStrike" dirty="0" smtClean="0"/>
                         <a:t>Hello, world! 3.0</a:t>
                       </a:r>
                       <a:endParaRPr lang="fr-FR" dirty="0"/>
@@ -3282,7 +3282,7 @@
                   </a:txBody>
                   <a:tcPr>
                     <a:blipFill>
-                      <a:blip r:embed="R37ce5ff4d3c54186"/>
+                      <a:blip r:embed="Rfe9383a52a5342d4"/>
                       <a:srcRect/>
                       <a:stretch>
                         <a:fillRect l="0" t="14000" r="90000" b="12000"/>
@@ -3312,7 +3312,7 @@
                     <a:lstStyle/>
                     <a:p>
                       <a:r>
-                        <a:rPr lang="en-US" dirty="0" smtClean="0"/>
+                        <a:rPr lang="en-US" b="0" i="0" strike="noStrike" dirty="0" smtClean="0"/>
                         <a:t>Hello, world! 0.1</a:t>
                       </a:r>
                       <a:endParaRPr lang="fr-FR" dirty="0"/>
@@ -3320,7 +3320,7 @@
                   </a:txBody>
                   <a:tcPr>
                     <a:blipFill>
-                      <a:blip r:embed="Rd1932216f7ad496d"/>
+                      <a:blip r:embed="R4038a6aeb2284b65"/>
                       <a:srcRect/>
                       <a:stretch>
                         <a:fillRect l="0" t="14000" r="90000" b="0"/>
@@ -3392,7 +3392,7 @@
                     <a:lstStyle/>
                     <a:p>
                       <a:r>
-                        <a:rPr lang="en-US" dirty="0" smtClean="0"/>
+                        <a:rPr lang="en-US" b="0" i="0" strike="noStrike" dirty="0" smtClean="0"/>
                         <a:t>Hello, world! 0.2</a:t>
                       </a:r>
                       <a:endParaRPr lang="fr-FR" dirty="0"/>
@@ -3400,7 +3400,7 @@
                   </a:txBody>
                   <a:tcPr>
                     <a:blipFill>
-                      <a:blip r:embed="R7707160e07194c1c"/>
+                      <a:blip r:embed="R2a41eefde8cb4167"/>
                       <a:srcRect/>
                       <a:stretch>
                         <a:fillRect l="0" t="14000" r="0" b="0"/>
@@ -3472,7 +3472,7 @@
                     <a:lstStyle/>
                     <a:p>
                       <a:r>
-                        <a:rPr lang="en-US" dirty="0" smtClean="0"/>
+                        <a:rPr lang="en-US" b="0" i="0" strike="noStrike" dirty="0" smtClean="0"/>
                         <a:t>Hello, world! 0.3</a:t>
                       </a:r>
                       <a:endParaRPr lang="fr-FR" dirty="0"/>
@@ -3480,7 +3480,7 @@
                   </a:txBody>
                   <a:tcPr>
                     <a:blipFill>
-                      <a:blip r:embed="Ra79584704e234cff"/>
+                      <a:blip r:embed="R7ef8869ff26346d3"/>
                       <a:srcRect/>
                       <a:stretch>
                         <a:fillRect l="0" t="0" r="0" b="0"/>
@@ -3552,7 +3552,7 @@
                     <a:lstStyle/>
                     <a:p>
                       <a:r>
-                        <a:rPr lang="en-US" dirty="0" smtClean="0"/>
+                        <a:rPr lang="en-US" b="0" i="0" strike="noStrike" dirty="0" smtClean="0"/>
                         <a:t>Hello, world! 0.4</a:t>
                       </a:r>
                       <a:endParaRPr lang="fr-FR" dirty="0"/>
@@ -3560,7 +3560,7 @@
                   </a:txBody>
                   <a:tcPr>
                     <a:blipFill>
-                      <a:blip r:embed="R4bf5d32880f649ef"/>
+                      <a:blip r:embed="R735c1b5f9c664920"/>
                       <a:srcRect/>
                       <a:stretch>
                         <a:fillRect l="0" t="0" r="0" b="0"/>
@@ -3632,7 +3632,7 @@
                     <a:lstStyle/>
                     <a:p>
                       <a:r>
-                        <a:rPr lang="en-US" dirty="0" smtClean="0"/>
+                        <a:rPr lang="en-US" b="0" i="0" strike="noStrike" dirty="0" smtClean="0"/>
                         <a:t>Hello, world! 0.5</a:t>
                       </a:r>
                       <a:endParaRPr lang="fr-FR" dirty="0"/>
@@ -3674,7 +3674,7 @@
                     <a:lstStyle/>
                     <a:p>
                       <a:r>
-                        <a:rPr lang="en-US" dirty="0" smtClean="0"/>
+                        <a:rPr lang="en-US" b="0" i="0" strike="noStrike" dirty="0" smtClean="0"/>
                         <a:t>Hello, world! 3.5</a:t>
                       </a:r>
                       <a:endParaRPr lang="fr-FR" dirty="0"/>
@@ -3842,7 +3842,7 @@
                     <a:lstStyle/>
                     <a:p>
                       <a:r>
-                        <a:rPr lang="en-US" dirty="0" smtClean="0"/>
+                        <a:rPr lang="en-US" b="0" i="0" strike="noStrike" dirty="0" smtClean="0"/>
                         <a:t>Hello, world! 0.0</a:t>
                       </a:r>
                       <a:endParaRPr lang="fr-FR" dirty="0"/>
@@ -3850,7 +3850,7 @@
                   </a:txBody>
                   <a:tcPr>
                     <a:blipFill>
-                      <a:blip r:embed="Rd7d0a77b8f294cdd"/>
+                      <a:blip r:embed="R8b0d0981ab7a4ade"/>
                       <a:srcRect/>
                       <a:stretch>
                         <a:fillRect l="0" t="14000" r="90000" b="12000"/>
@@ -3909,7 +3909,7 @@
                     <a:lstStyle/>
                     <a:p>
                       <a:r>
-                        <a:rPr lang="en-US" dirty="0" smtClean="0"/>
+                        <a:rPr lang="en-US" b="0" i="0" strike="noStrike" dirty="0" smtClean="0"/>
                         <a:t>Hello, world! 3.0</a:t>
                       </a:r>
                       <a:endParaRPr lang="fr-FR" dirty="0"/>
@@ -3917,7 +3917,7 @@
                   </a:txBody>
                   <a:tcPr>
                     <a:blipFill>
-                      <a:blip r:embed="R37ce5ff4d3c54186"/>
+                      <a:blip r:embed="Rfe9383a52a5342d4"/>
                       <a:srcRect/>
                       <a:stretch>
                         <a:fillRect l="0" t="14000" r="90000" b="12000"/>
@@ -3947,7 +3947,7 @@
                     <a:lstStyle/>
                     <a:p>
                       <a:r>
-                        <a:rPr lang="en-US" dirty="0" smtClean="0"/>
+                        <a:rPr lang="en-US" b="0" i="0" strike="noStrike" dirty="0" smtClean="0"/>
                         <a:t>Hello, world! 0.1</a:t>
                       </a:r>
                       <a:endParaRPr lang="fr-FR" dirty="0"/>
@@ -3955,7 +3955,7 @@
                   </a:txBody>
                   <a:tcPr>
                     <a:blipFill>
-                      <a:blip r:embed="Rd1932216f7ad496d"/>
+                      <a:blip r:embed="R4038a6aeb2284b65"/>
                       <a:srcRect/>
                       <a:stretch>
                         <a:fillRect l="0" t="14000" r="90000" b="0"/>
@@ -4027,7 +4027,7 @@
                     <a:lstStyle/>
                     <a:p>
                       <a:r>
-                        <a:rPr lang="en-US" dirty="0" smtClean="0"/>
+                        <a:rPr lang="en-US" b="0" i="0" strike="noStrike" dirty="0" smtClean="0"/>
                         <a:t>Hello, world! 0.2</a:t>
                       </a:r>
                       <a:endParaRPr lang="fr-FR" dirty="0"/>
@@ -4035,7 +4035,7 @@
                   </a:txBody>
                   <a:tcPr>
                     <a:blipFill>
-                      <a:blip r:embed="R7707160e07194c1c"/>
+                      <a:blip r:embed="R2a41eefde8cb4167"/>
                       <a:srcRect/>
                       <a:stretch>
                         <a:fillRect l="0" t="14000" r="0" b="0"/>
@@ -4107,7 +4107,7 @@
                     <a:lstStyle/>
                     <a:p>
                       <a:r>
-                        <a:rPr lang="en-US" dirty="0" smtClean="0"/>
+                        <a:rPr lang="en-US" b="0" i="0" strike="noStrike" dirty="0" smtClean="0"/>
                         <a:t>Hello, world! 0.3</a:t>
                       </a:r>
                       <a:endParaRPr lang="fr-FR" dirty="0"/>
@@ -4115,7 +4115,7 @@
                   </a:txBody>
                   <a:tcPr>
                     <a:blipFill>
-                      <a:blip r:embed="Ra79584704e234cff"/>
+                      <a:blip r:embed="R7ef8869ff26346d3"/>
                       <a:srcRect/>
                       <a:stretch>
                         <a:fillRect l="0" t="0" r="0" b="0"/>
@@ -4187,7 +4187,7 @@
                     <a:lstStyle/>
                     <a:p>
                       <a:r>
-                        <a:rPr lang="en-US" dirty="0" smtClean="0"/>
+                        <a:rPr lang="en-US" b="0" i="0" strike="noStrike" dirty="0" smtClean="0"/>
                         <a:t>Hello, world! 0.4</a:t>
                       </a:r>
                       <a:endParaRPr lang="fr-FR" dirty="0"/>
@@ -4195,7 +4195,7 @@
                   </a:txBody>
                   <a:tcPr>
                     <a:blipFill>
-                      <a:blip r:embed="R4bf5d32880f649ef"/>
+                      <a:blip r:embed="R735c1b5f9c664920"/>
                       <a:srcRect/>
                       <a:stretch>
                         <a:fillRect l="0" t="0" r="0" b="0"/>
@@ -4267,7 +4267,7 @@
                     <a:lstStyle/>
                     <a:p>
                       <a:r>
-                        <a:rPr lang="en-US" dirty="0" smtClean="0"/>
+                        <a:rPr lang="en-US" b="0" i="0" strike="noStrike" dirty="0" smtClean="0"/>
                         <a:t>Hello, world! 0.5</a:t>
                       </a:r>
                       <a:endParaRPr lang="fr-FR" dirty="0"/>
@@ -4309,7 +4309,7 @@
                     <a:lstStyle/>
                     <a:p>
                       <a:r>
-                        <a:rPr lang="en-US" dirty="0" smtClean="0"/>
+                        <a:rPr lang="en-US" b="0" i="0" strike="noStrike" dirty="0" smtClean="0"/>
                         <a:t>Hello, world! 3.5</a:t>
                       </a:r>
                       <a:endParaRPr lang="fr-FR" dirty="0"/>

--- a/PowerpointTemplater.Tests/files/SetTableCellBackgroundPicture_output.pptx
+++ b/PowerpointTemplater.Tests/files/SetTableCellBackgroundPicture_output.pptx
@@ -5,8 +5,8 @@
     <p:sldMasterId id="2147483648" r:id="rId1"/>
   </p:sldMasterIdLst>
   <p:sldIdLst>
-    <p:sldId id="258" r:id="R8fe0de5f66c04e2b"/>
-    <p:sldId id="259" r:id="Re5732ca363994fda"/>
+    <p:sldId id="258" r:id="R59a307cbae6d4ce0"/>
+    <p:sldId id="259" r:id="R44385fc0e729498e"/>
   </p:sldIdLst>
   <p:sldSz cx="9144000" cy="6858000" type="screen4x3"/>
   <p:notesSz cx="6858000" cy="9144000"/>
@@ -3215,7 +3215,7 @@
                   </a:txBody>
                   <a:tcPr>
                     <a:blipFill>
-                      <a:blip r:embed="R8b0d0981ab7a4ade"/>
+                      <a:blip r:embed="R0da24cf772114cdb"/>
                       <a:srcRect/>
                       <a:stretch>
                         <a:fillRect l="0" t="14000" r="90000" b="12000"/>
@@ -3282,7 +3282,7 @@
                   </a:txBody>
                   <a:tcPr>
                     <a:blipFill>
-                      <a:blip r:embed="Rfe9383a52a5342d4"/>
+                      <a:blip r:embed="R056a8c8d25c5444b"/>
                       <a:srcRect/>
                       <a:stretch>
                         <a:fillRect l="0" t="14000" r="90000" b="12000"/>
@@ -3320,7 +3320,7 @@
                   </a:txBody>
                   <a:tcPr>
                     <a:blipFill>
-                      <a:blip r:embed="R4038a6aeb2284b65"/>
+                      <a:blip r:embed="R95c08127048746c9"/>
                       <a:srcRect/>
                       <a:stretch>
                         <a:fillRect l="0" t="14000" r="90000" b="0"/>
@@ -3400,7 +3400,7 @@
                   </a:txBody>
                   <a:tcPr>
                     <a:blipFill>
-                      <a:blip r:embed="R2a41eefde8cb4167"/>
+                      <a:blip r:embed="R02db7fbcaf4a4306"/>
                       <a:srcRect/>
                       <a:stretch>
                         <a:fillRect l="0" t="14000" r="0" b="0"/>
@@ -3480,7 +3480,7 @@
                   </a:txBody>
                   <a:tcPr>
                     <a:blipFill>
-                      <a:blip r:embed="R7ef8869ff26346d3"/>
+                      <a:blip r:embed="R71f0cb36e8db4cb7"/>
                       <a:srcRect/>
                       <a:stretch>
                         <a:fillRect l="0" t="0" r="0" b="0"/>
@@ -3560,7 +3560,7 @@
                   </a:txBody>
                   <a:tcPr>
                     <a:blipFill>
-                      <a:blip r:embed="R735c1b5f9c664920"/>
+                      <a:blip r:embed="Ra0ffcb7a2ad24971"/>
                       <a:srcRect/>
                       <a:stretch>
                         <a:fillRect l="0" t="0" r="0" b="0"/>
@@ -3850,7 +3850,7 @@
                   </a:txBody>
                   <a:tcPr>
                     <a:blipFill>
-                      <a:blip r:embed="R8b0d0981ab7a4ade"/>
+                      <a:blip r:embed="R0da24cf772114cdb"/>
                       <a:srcRect/>
                       <a:stretch>
                         <a:fillRect l="0" t="14000" r="90000" b="12000"/>
@@ -3917,7 +3917,7 @@
                   </a:txBody>
                   <a:tcPr>
                     <a:blipFill>
-                      <a:blip r:embed="Rfe9383a52a5342d4"/>
+                      <a:blip r:embed="R056a8c8d25c5444b"/>
                       <a:srcRect/>
                       <a:stretch>
                         <a:fillRect l="0" t="14000" r="90000" b="12000"/>
@@ -3955,7 +3955,7 @@
                   </a:txBody>
                   <a:tcPr>
                     <a:blipFill>
-                      <a:blip r:embed="R4038a6aeb2284b65"/>
+                      <a:blip r:embed="R95c08127048746c9"/>
                       <a:srcRect/>
                       <a:stretch>
                         <a:fillRect l="0" t="14000" r="90000" b="0"/>
@@ -4035,7 +4035,7 @@
                   </a:txBody>
                   <a:tcPr>
                     <a:blipFill>
-                      <a:blip r:embed="R2a41eefde8cb4167"/>
+                      <a:blip r:embed="R02db7fbcaf4a4306"/>
                       <a:srcRect/>
                       <a:stretch>
                         <a:fillRect l="0" t="14000" r="0" b="0"/>
@@ -4115,7 +4115,7 @@
                   </a:txBody>
                   <a:tcPr>
                     <a:blipFill>
-                      <a:blip r:embed="R7ef8869ff26346d3"/>
+                      <a:blip r:embed="R71f0cb36e8db4cb7"/>
                       <a:srcRect/>
                       <a:stretch>
                         <a:fillRect l="0" t="0" r="0" b="0"/>
@@ -4195,7 +4195,7 @@
                   </a:txBody>
                   <a:tcPr>
                     <a:blipFill>
-                      <a:blip r:embed="R735c1b5f9c664920"/>
+                      <a:blip r:embed="Ra0ffcb7a2ad24971"/>
                       <a:srcRect/>
                       <a:stretch>
                         <a:fillRect l="0" t="0" r="0" b="0"/>
